--- a/raman_week8.pptx
+++ b/raman_week8.pptx
@@ -5,9 +5,9 @@
     <p:sldMasterId id="2147483648" r:id="rId1"/>
   </p:sldMasterIdLst>
   <p:sldIdLst>
-    <p:sldId id="268" r:id="rId2"/>
-    <p:sldId id="269" r:id="rId3"/>
-    <p:sldId id="270" r:id="rId4"/>
+    <p:sldId id="270" r:id="rId2"/>
+    <p:sldId id="271" r:id="rId3"/>
+    <p:sldId id="272" r:id="rId4"/>
   </p:sldIdLst>
   <p:sldSz cx="12192000" cy="6858000"/>
   <p:notesSz cx="6858000" cy="9144000"/>
@@ -263,7 +263,7 @@
           <a:p>
             <a:fld id="{6822D85E-D2FB-42BA-8FC7-836FE23099A3}" type="datetimeFigureOut">
               <a:rPr lang="en-CH" smtClean="0"/>
-              <a:t>31.10.2025</a:t>
+              <a:t>10/31/2025</a:t>
             </a:fld>
             <a:endParaRPr lang="en-CH"/>
           </a:p>
@@ -463,7 +463,7 @@
           <a:p>
             <a:fld id="{6822D85E-D2FB-42BA-8FC7-836FE23099A3}" type="datetimeFigureOut">
               <a:rPr lang="en-CH" smtClean="0"/>
-              <a:t>31.10.2025</a:t>
+              <a:t>10/31/2025</a:t>
             </a:fld>
             <a:endParaRPr lang="en-CH"/>
           </a:p>
@@ -673,7 +673,7 @@
           <a:p>
             <a:fld id="{6822D85E-D2FB-42BA-8FC7-836FE23099A3}" type="datetimeFigureOut">
               <a:rPr lang="en-CH" smtClean="0"/>
-              <a:t>31.10.2025</a:t>
+              <a:t>10/31/2025</a:t>
             </a:fld>
             <a:endParaRPr lang="en-CH"/>
           </a:p>
@@ -873,7 +873,7 @@
           <a:p>
             <a:fld id="{6822D85E-D2FB-42BA-8FC7-836FE23099A3}" type="datetimeFigureOut">
               <a:rPr lang="en-CH" smtClean="0"/>
-              <a:t>31.10.2025</a:t>
+              <a:t>10/31/2025</a:t>
             </a:fld>
             <a:endParaRPr lang="en-CH"/>
           </a:p>
@@ -1149,7 +1149,7 @@
           <a:p>
             <a:fld id="{6822D85E-D2FB-42BA-8FC7-836FE23099A3}" type="datetimeFigureOut">
               <a:rPr lang="en-CH" smtClean="0"/>
-              <a:t>31.10.2025</a:t>
+              <a:t>10/31/2025</a:t>
             </a:fld>
             <a:endParaRPr lang="en-CH"/>
           </a:p>
@@ -1417,7 +1417,7 @@
           <a:p>
             <a:fld id="{6822D85E-D2FB-42BA-8FC7-836FE23099A3}" type="datetimeFigureOut">
               <a:rPr lang="en-CH" smtClean="0"/>
-              <a:t>31.10.2025</a:t>
+              <a:t>10/31/2025</a:t>
             </a:fld>
             <a:endParaRPr lang="en-CH"/>
           </a:p>
@@ -1832,7 +1832,7 @@
           <a:p>
             <a:fld id="{6822D85E-D2FB-42BA-8FC7-836FE23099A3}" type="datetimeFigureOut">
               <a:rPr lang="en-CH" smtClean="0"/>
-              <a:t>31.10.2025</a:t>
+              <a:t>10/31/2025</a:t>
             </a:fld>
             <a:endParaRPr lang="en-CH"/>
           </a:p>
@@ -1974,7 +1974,7 @@
           <a:p>
             <a:fld id="{6822D85E-D2FB-42BA-8FC7-836FE23099A3}" type="datetimeFigureOut">
               <a:rPr lang="en-CH" smtClean="0"/>
-              <a:t>31.10.2025</a:t>
+              <a:t>10/31/2025</a:t>
             </a:fld>
             <a:endParaRPr lang="en-CH"/>
           </a:p>
@@ -2087,7 +2087,7 @@
           <a:p>
             <a:fld id="{6822D85E-D2FB-42BA-8FC7-836FE23099A3}" type="datetimeFigureOut">
               <a:rPr lang="en-CH" smtClean="0"/>
-              <a:t>31.10.2025</a:t>
+              <a:t>10/31/2025</a:t>
             </a:fld>
             <a:endParaRPr lang="en-CH"/>
           </a:p>
@@ -2400,7 +2400,7 @@
           <a:p>
             <a:fld id="{6822D85E-D2FB-42BA-8FC7-836FE23099A3}" type="datetimeFigureOut">
               <a:rPr lang="en-CH" smtClean="0"/>
-              <a:t>31.10.2025</a:t>
+              <a:t>10/31/2025</a:t>
             </a:fld>
             <a:endParaRPr lang="en-CH"/>
           </a:p>
@@ -2689,7 +2689,7 @@
           <a:p>
             <a:fld id="{6822D85E-D2FB-42BA-8FC7-836FE23099A3}" type="datetimeFigureOut">
               <a:rPr lang="en-CH" smtClean="0"/>
-              <a:t>31.10.2025</a:t>
+              <a:t>10/31/2025</a:t>
             </a:fld>
             <a:endParaRPr lang="en-CH"/>
           </a:p>
@@ -2932,7 +2932,7 @@
           <a:p>
             <a:fld id="{6822D85E-D2FB-42BA-8FC7-836FE23099A3}" type="datetimeFigureOut">
               <a:rPr lang="en-CH" smtClean="0"/>
-              <a:t>31.10.2025</a:t>
+              <a:t>10/31/2025</a:t>
             </a:fld>
             <a:endParaRPr lang="en-CH"/>
           </a:p>
@@ -3335,336 +3335,6 @@
 <file path=ppt/slides/slide1.xml><?xml version="1.0" encoding="utf-8"?>
 <p:sld xmlns:a="http://schemas.openxmlformats.org/drawingml/2006/main" xmlns:r="http://schemas.openxmlformats.org/officeDocument/2006/relationships" xmlns:p="http://schemas.openxmlformats.org/presentationml/2006/main">
   <p:cSld>
-    <p:spTree>
-      <p:nvGrpSpPr>
-        <p:cNvPr id="1" name=""/>
-        <p:cNvGrpSpPr/>
-        <p:nvPr/>
-      </p:nvGrpSpPr>
-      <p:grpSpPr>
-        <a:xfrm>
-          <a:off x="0" y="0"/>
-          <a:ext cx="0" cy="0"/>
-          <a:chOff x="0" y="0"/>
-          <a:chExt cx="0" cy="0"/>
-        </a:xfrm>
-      </p:grpSpPr>
-      <p:sp>
-        <p:nvSpPr>
-          <p:cNvPr id="2" name="Title 1">
-            <a:extLst>
-              <a:ext uri="{FF2B5EF4-FFF2-40B4-BE49-F238E27FC236}">
-                <a16:creationId xmlns:a16="http://schemas.microsoft.com/office/drawing/2014/main" id="{FC5DFE24-133B-4D17-40FE-ED4153AB9EC0}"/>
-              </a:ext>
-            </a:extLst>
-          </p:cNvPr>
-          <p:cNvSpPr>
-            <a:spLocks noGrp="1"/>
-          </p:cNvSpPr>
-          <p:nvPr>
-            <p:ph type="title"/>
-          </p:nvPr>
-        </p:nvSpPr>
-        <p:spPr>
-          <a:xfrm>
-            <a:off x="6723666" y="376518"/>
-            <a:ext cx="4779712" cy="4235941"/>
-          </a:xfrm>
-        </p:spPr>
-        <p:txBody>
-          <a:bodyPr vert="horz" lIns="91440" tIns="45720" rIns="91440" bIns="45720" rtlCol="0" anchor="b">
-            <a:normAutofit fontScale="90000"/>
-          </a:bodyPr>
-          <a:lstStyle/>
-          <a:p>
-            <a:r>
-              <a:rPr lang="en-US" sz="1500" dirty="0"/>
-              <a:t>Spent some time debugging the HTML files. </a:t>
-            </a:r>
-            <a:r>
-              <a:rPr lang="en-US" sz="1200" dirty="0"/>
-              <a:t>(mainly problems between communication of backend to frontend)</a:t>
-            </a:r>
-            <a:br>
-              <a:rPr lang="en-US" sz="1500" dirty="0"/>
-            </a:br>
-            <a:br>
-              <a:rPr lang="en-US" sz="1500" dirty="0"/>
-            </a:br>
-            <a:r>
-              <a:rPr lang="en-US" sz="1500" dirty="0"/>
-              <a:t>I realized there is a global value for peak threshold 0.25 and added a field for the user to customize this.</a:t>
-            </a:r>
-            <a:br>
-              <a:rPr lang="en-US" sz="1500" dirty="0"/>
-            </a:br>
-            <a:br>
-              <a:rPr lang="en-US" sz="1500" dirty="0"/>
-            </a:br>
-            <a:br>
-              <a:rPr lang="en-US" sz="1500" dirty="0"/>
-            </a:br>
-            <a:br>
-              <a:rPr lang="en-US" sz="1500" dirty="0"/>
-            </a:br>
-            <a:br>
-              <a:rPr lang="en-US" sz="1500" dirty="0"/>
-            </a:br>
-            <a:r>
-              <a:rPr lang="en-US" sz="1500" dirty="0"/>
-              <a:t>Ideally it would be nice to remove the plot files and be able to plot them each time. This would:</a:t>
-            </a:r>
-            <a:br>
-              <a:rPr lang="en-US" sz="1500" dirty="0"/>
-            </a:br>
-            <a:r>
-              <a:rPr lang="en-US" sz="1500" dirty="0"/>
-              <a:t>- remove space in the repository (16MB)</a:t>
-            </a:r>
-            <a:br>
-              <a:rPr lang="en-US" sz="1500" dirty="0"/>
-            </a:br>
-            <a:r>
-              <a:rPr lang="en-US" sz="1500" dirty="0"/>
-              <a:t>- allow to plot samples with customized peak threshold.</a:t>
-            </a:r>
-            <a:br>
-              <a:rPr lang="en-US" sz="1500" dirty="0"/>
-            </a:br>
-            <a:br>
-              <a:rPr lang="en-US" sz="1500" dirty="0"/>
-            </a:br>
-            <a:r>
-              <a:rPr lang="en-US" sz="1500" dirty="0"/>
-              <a:t>-&gt; I will not focus on this for now (don’t discard work already done) but I will keep in mind this for when I understand better the code for making the plots and how Francesco stored the plots.</a:t>
-            </a:r>
-            <a:br>
-              <a:rPr lang="en-US" sz="1500" dirty="0"/>
-            </a:br>
-            <a:br>
-              <a:rPr lang="en-US" sz="1500" dirty="0"/>
-            </a:br>
-            <a:r>
-              <a:rPr lang="en-US" sz="1500" dirty="0"/>
-              <a:t>For now, the user can fill the field, and the value is correctly passed to the function back-end, but it is not used.</a:t>
-            </a:r>
-          </a:p>
-        </p:txBody>
-      </p:sp>
-      <p:pic>
-        <p:nvPicPr>
-          <p:cNvPr id="7" name="Picture 6">
-            <a:extLst>
-              <a:ext uri="{FF2B5EF4-FFF2-40B4-BE49-F238E27FC236}">
-                <a16:creationId xmlns:a16="http://schemas.microsoft.com/office/drawing/2014/main" id="{5045A959-7962-51F9-F04F-8BB57464275E}"/>
-              </a:ext>
-            </a:extLst>
-          </p:cNvPr>
-          <p:cNvPicPr>
-            <a:picLocks noChangeAspect="1"/>
-          </p:cNvPicPr>
-          <p:nvPr/>
-        </p:nvPicPr>
-        <p:blipFill>
-          <a:blip r:embed="rId2"/>
-          <a:stretch>
-            <a:fillRect/>
-          </a:stretch>
-        </p:blipFill>
-        <p:spPr>
-          <a:xfrm>
-            <a:off x="980892" y="2493056"/>
-            <a:ext cx="4956489" cy="3048241"/>
-          </a:xfrm>
-          <a:prstGeom prst="rect">
-            <a:avLst/>
-          </a:prstGeom>
-        </p:spPr>
-      </p:pic>
-      <p:pic>
-        <p:nvPicPr>
-          <p:cNvPr id="5" name="Content Placeholder 4">
-            <a:extLst>
-              <a:ext uri="{FF2B5EF4-FFF2-40B4-BE49-F238E27FC236}">
-                <a16:creationId xmlns:a16="http://schemas.microsoft.com/office/drawing/2014/main" id="{17714E24-68C3-8309-8255-1C99DB80CE5C}"/>
-              </a:ext>
-            </a:extLst>
-          </p:cNvPr>
-          <p:cNvPicPr>
-            <a:picLocks noChangeAspect="1"/>
-          </p:cNvPicPr>
-          <p:nvPr/>
-        </p:nvPicPr>
-        <p:blipFill>
-          <a:blip r:embed="rId3"/>
-          <a:stretch>
-            <a:fillRect/>
-          </a:stretch>
-        </p:blipFill>
-        <p:spPr>
-          <a:xfrm>
-            <a:off x="980892" y="522612"/>
-            <a:ext cx="4956489" cy="1302367"/>
-          </a:xfrm>
-          <a:prstGeom prst="rect">
-            <a:avLst/>
-          </a:prstGeom>
-        </p:spPr>
-      </p:pic>
-      <p:pic>
-        <p:nvPicPr>
-          <p:cNvPr id="13" name="Picture 12">
-            <a:extLst>
-              <a:ext uri="{FF2B5EF4-FFF2-40B4-BE49-F238E27FC236}">
-                <a16:creationId xmlns:a16="http://schemas.microsoft.com/office/drawing/2014/main" id="{8F7B3836-A235-B526-DBB1-FD849A7311D3}"/>
-              </a:ext>
-            </a:extLst>
-          </p:cNvPr>
-          <p:cNvPicPr>
-            <a:picLocks noChangeAspect="1"/>
-          </p:cNvPicPr>
-          <p:nvPr/>
-        </p:nvPicPr>
-        <p:blipFill>
-          <a:blip r:embed="rId4"/>
-          <a:stretch>
-            <a:fillRect/>
-          </a:stretch>
-        </p:blipFill>
-        <p:spPr>
-          <a:xfrm>
-            <a:off x="7374107" y="4820323"/>
-            <a:ext cx="3107875" cy="1802284"/>
-          </a:xfrm>
-          <a:prstGeom prst="rect">
-            <a:avLst/>
-          </a:prstGeom>
-        </p:spPr>
-      </p:pic>
-    </p:spTree>
-    <p:extLst>
-      <p:ext uri="{BB962C8B-B14F-4D97-AF65-F5344CB8AC3E}">
-        <p14:creationId xmlns:p14="http://schemas.microsoft.com/office/powerpoint/2010/main" val="1067149286"/>
-      </p:ext>
-    </p:extLst>
-  </p:cSld>
-  <p:clrMapOvr>
-    <a:masterClrMapping/>
-  </p:clrMapOvr>
-</p:sld>
-</file>
-
-<file path=ppt/slides/slide2.xml><?xml version="1.0" encoding="utf-8"?>
-<p:sld xmlns:a="http://schemas.openxmlformats.org/drawingml/2006/main" xmlns:r="http://schemas.openxmlformats.org/officeDocument/2006/relationships" xmlns:p="http://schemas.openxmlformats.org/presentationml/2006/main">
-  <p:cSld>
-    <p:spTree>
-      <p:nvGrpSpPr>
-        <p:cNvPr id="1" name=""/>
-        <p:cNvGrpSpPr/>
-        <p:nvPr/>
-      </p:nvGrpSpPr>
-      <p:grpSpPr>
-        <a:xfrm>
-          <a:off x="0" y="0"/>
-          <a:ext cx="0" cy="0"/>
-          <a:chOff x="0" y="0"/>
-          <a:chExt cx="0" cy="0"/>
-        </a:xfrm>
-      </p:grpSpPr>
-      <p:sp>
-        <p:nvSpPr>
-          <p:cNvPr id="2" name="Title 1">
-            <a:extLst>
-              <a:ext uri="{FF2B5EF4-FFF2-40B4-BE49-F238E27FC236}">
-                <a16:creationId xmlns:a16="http://schemas.microsoft.com/office/drawing/2014/main" id="{86D4C035-EFB6-2466-21A3-CF980EEB8908}"/>
-              </a:ext>
-            </a:extLst>
-          </p:cNvPr>
-          <p:cNvSpPr>
-            <a:spLocks noGrp="1"/>
-          </p:cNvSpPr>
-          <p:nvPr>
-            <p:ph type="title"/>
-          </p:nvPr>
-        </p:nvSpPr>
-        <p:spPr>
-          <a:xfrm>
-            <a:off x="3994150" y="910431"/>
-            <a:ext cx="8064500" cy="3692525"/>
-          </a:xfrm>
-        </p:spPr>
-        <p:txBody>
-          <a:bodyPr>
-            <a:normAutofit/>
-          </a:bodyPr>
-          <a:lstStyle/>
-          <a:p>
-            <a:r>
-              <a:rPr lang="en-US" sz="1800" dirty="0"/>
-              <a:t>This field can have a default (such as UNKNOWN) so that the user can make tests even without being formal.</a:t>
-            </a:r>
-            <a:br>
-              <a:rPr lang="en-US" sz="1800" dirty="0"/>
-            </a:br>
-            <a:br>
-              <a:rPr lang="en-US" sz="1800" dirty="0"/>
-            </a:br>
-            <a:r>
-              <a:rPr lang="en-US" sz="1800" dirty="0"/>
-              <a:t>Since there is going to be a back-and-fourth between the user testing the different baselines algorithms and uploading test samples.</a:t>
-            </a:r>
-            <a:endParaRPr lang="en-CH" sz="1800" dirty="0"/>
-          </a:p>
-        </p:txBody>
-      </p:sp>
-      <p:pic>
-        <p:nvPicPr>
-          <p:cNvPr id="5" name="Content Placeholder 4">
-            <a:extLst>
-              <a:ext uri="{FF2B5EF4-FFF2-40B4-BE49-F238E27FC236}">
-                <a16:creationId xmlns:a16="http://schemas.microsoft.com/office/drawing/2014/main" id="{2539D819-4CFA-7B31-E5E2-7F2A8965F180}"/>
-              </a:ext>
-            </a:extLst>
-          </p:cNvPr>
-          <p:cNvPicPr>
-            <a:picLocks noGrp="1" noChangeAspect="1"/>
-          </p:cNvPicPr>
-          <p:nvPr>
-            <p:ph idx="1"/>
-          </p:nvPr>
-        </p:nvPicPr>
-        <p:blipFill>
-          <a:blip r:embed="rId2"/>
-          <a:stretch>
-            <a:fillRect/>
-          </a:stretch>
-        </p:blipFill>
-        <p:spPr>
-          <a:xfrm>
-            <a:off x="464913" y="2299430"/>
-            <a:ext cx="3210373" cy="914528"/>
-          </a:xfrm>
-          <a:prstGeom prst="rect">
-            <a:avLst/>
-          </a:prstGeom>
-        </p:spPr>
-      </p:pic>
-    </p:spTree>
-    <p:extLst>
-      <p:ext uri="{BB962C8B-B14F-4D97-AF65-F5344CB8AC3E}">
-        <p14:creationId xmlns:p14="http://schemas.microsoft.com/office/powerpoint/2010/main" val="2190913361"/>
-      </p:ext>
-    </p:extLst>
-  </p:cSld>
-  <p:clrMapOvr>
-    <a:masterClrMapping/>
-  </p:clrMapOvr>
-</p:sld>
-</file>
-
-<file path=ppt/slides/slide3.xml><?xml version="1.0" encoding="utf-8"?>
-<p:sld xmlns:a="http://schemas.openxmlformats.org/drawingml/2006/main" xmlns:r="http://schemas.openxmlformats.org/officeDocument/2006/relationships" xmlns:p="http://schemas.openxmlformats.org/presentationml/2006/main">
-  <p:cSld>
     <p:bg>
       <p:bgPr>
         <a:solidFill>
@@ -4086,6 +3756,440 @@
     <p:extLst>
       <p:ext uri="{BB962C8B-B14F-4D97-AF65-F5344CB8AC3E}">
         <p14:creationId xmlns:p14="http://schemas.microsoft.com/office/powerpoint/2010/main" val="3965619680"/>
+      </p:ext>
+    </p:extLst>
+  </p:cSld>
+  <p:clrMapOvr>
+    <a:masterClrMapping/>
+  </p:clrMapOvr>
+</p:sld>
+</file>
+
+<file path=ppt/slides/slide2.xml><?xml version="1.0" encoding="utf-8"?>
+<p:sld xmlns:a="http://schemas.openxmlformats.org/drawingml/2006/main" xmlns:r="http://schemas.openxmlformats.org/officeDocument/2006/relationships" xmlns:p="http://schemas.openxmlformats.org/presentationml/2006/main">
+  <p:cSld>
+    <p:spTree>
+      <p:nvGrpSpPr>
+        <p:cNvPr id="1" name=""/>
+        <p:cNvGrpSpPr/>
+        <p:nvPr/>
+      </p:nvGrpSpPr>
+      <p:grpSpPr>
+        <a:xfrm>
+          <a:off x="0" y="0"/>
+          <a:ext cx="0" cy="0"/>
+          <a:chOff x="0" y="0"/>
+          <a:chExt cx="0" cy="0"/>
+        </a:xfrm>
+      </p:grpSpPr>
+      <p:sp>
+        <p:nvSpPr>
+          <p:cNvPr id="2" name="Title 1">
+            <a:extLst>
+              <a:ext uri="{FF2B5EF4-FFF2-40B4-BE49-F238E27FC236}">
+                <a16:creationId xmlns:a16="http://schemas.microsoft.com/office/drawing/2014/main" id="{8C4B9FDA-A1E7-CA7F-51B2-7BBAE941BBFA}"/>
+              </a:ext>
+            </a:extLst>
+          </p:cNvPr>
+          <p:cNvSpPr>
+            <a:spLocks noGrp="1"/>
+          </p:cNvSpPr>
+          <p:nvPr>
+            <p:ph type="title"/>
+          </p:nvPr>
+        </p:nvSpPr>
+        <p:spPr>
+          <a:xfrm>
+            <a:off x="6750960" y="365125"/>
+            <a:ext cx="4602839" cy="5240147"/>
+          </a:xfrm>
+        </p:spPr>
+        <p:txBody>
+          <a:bodyPr>
+            <a:normAutofit fontScale="90000"/>
+          </a:bodyPr>
+          <a:lstStyle/>
+          <a:p>
+            <a:r>
+              <a:rPr lang="en-US" sz="2800" dirty="0"/>
+              <a:t>Training cycle.</a:t>
+            </a:r>
+            <a:br>
+              <a:rPr lang="en-US" sz="2800" dirty="0"/>
+            </a:br>
+            <a:br>
+              <a:rPr lang="en-US" sz="2800" dirty="0"/>
+            </a:br>
+            <a:br>
+              <a:rPr lang="en-US" sz="2800" dirty="0"/>
+            </a:br>
+            <a:r>
+              <a:rPr lang="en-US" sz="1800" dirty="0"/>
+              <a:t>Gradient descent.</a:t>
+            </a:r>
+            <a:br>
+              <a:rPr lang="en-US" sz="1800" dirty="0"/>
+            </a:br>
+            <a:br>
+              <a:rPr lang="en-US" sz="2800" dirty="0"/>
+            </a:br>
+            <a:r>
+              <a:rPr lang="en-US" sz="1800" dirty="0"/>
+              <a:t>Epochs are independent of the training cycle. If the machine is powerful enough, one can make as many as needed to get good weights. Careful with overfitting.</a:t>
+            </a:r>
+            <a:br>
+              <a:rPr lang="en-US" sz="1800" dirty="0"/>
+            </a:br>
+            <a:r>
+              <a:rPr lang="en-US" sz="1800" dirty="0"/>
+              <a:t>Currently having problems with dimensions of data input. Different samples have different amount of data points. Consider taking higher interval and treating missing datapoints  as 0 or NULL.</a:t>
+            </a:r>
+            <a:br>
+              <a:rPr lang="en-US" sz="1800" dirty="0"/>
+            </a:br>
+            <a:br>
+              <a:rPr lang="en-US" sz="1800" dirty="0"/>
+            </a:br>
+            <a:br>
+              <a:rPr lang="en-US" sz="1800" dirty="0"/>
+            </a:br>
+            <a:r>
+              <a:rPr lang="en-US" sz="1800" dirty="0"/>
+              <a:t>Possibility to add </a:t>
+            </a:r>
+            <a:r>
+              <a:rPr lang="en-US" sz="1800" dirty="0" err="1"/>
+              <a:t>gui</a:t>
+            </a:r>
+            <a:r>
+              <a:rPr lang="en-US" sz="1800" dirty="0"/>
+              <a:t> for training such that when a good amount of samples are added, one can re-train at home. Then re-store </a:t>
+            </a:r>
+            <a:r>
+              <a:rPr lang="en-US" sz="1800"/>
+              <a:t>the model cache</a:t>
+            </a:r>
+            <a:endParaRPr lang="en-US" sz="2800" dirty="0"/>
+          </a:p>
+        </p:txBody>
+      </p:sp>
+      <p:pic>
+        <p:nvPicPr>
+          <p:cNvPr id="5" name="Picture 4">
+            <a:extLst>
+              <a:ext uri="{FF2B5EF4-FFF2-40B4-BE49-F238E27FC236}">
+                <a16:creationId xmlns:a16="http://schemas.microsoft.com/office/drawing/2014/main" id="{1CF51499-94DB-2E4A-9C5E-C69564579786}"/>
+              </a:ext>
+            </a:extLst>
+          </p:cNvPr>
+          <p:cNvPicPr>
+            <a:picLocks noChangeAspect="1"/>
+          </p:cNvPicPr>
+          <p:nvPr/>
+        </p:nvPicPr>
+        <p:blipFill>
+          <a:blip r:embed="rId2"/>
+          <a:stretch>
+            <a:fillRect/>
+          </a:stretch>
+        </p:blipFill>
+        <p:spPr>
+          <a:xfrm>
+            <a:off x="258718" y="834174"/>
+            <a:ext cx="5182323" cy="3086531"/>
+          </a:xfrm>
+          <a:prstGeom prst="rect">
+            <a:avLst/>
+          </a:prstGeom>
+        </p:spPr>
+      </p:pic>
+    </p:spTree>
+    <p:extLst>
+      <p:ext uri="{BB962C8B-B14F-4D97-AF65-F5344CB8AC3E}">
+        <p14:creationId xmlns:p14="http://schemas.microsoft.com/office/powerpoint/2010/main" val="4127725195"/>
+      </p:ext>
+    </p:extLst>
+  </p:cSld>
+  <p:clrMapOvr>
+    <a:masterClrMapping/>
+  </p:clrMapOvr>
+</p:sld>
+</file>
+
+<file path=ppt/slides/slide3.xml><?xml version="1.0" encoding="utf-8"?>
+<p:sld xmlns:a="http://schemas.openxmlformats.org/drawingml/2006/main" xmlns:r="http://schemas.openxmlformats.org/officeDocument/2006/relationships" xmlns:p="http://schemas.openxmlformats.org/presentationml/2006/main">
+  <p:cSld>
+    <p:spTree>
+      <p:nvGrpSpPr>
+        <p:cNvPr id="1" name=""/>
+        <p:cNvGrpSpPr/>
+        <p:nvPr/>
+      </p:nvGrpSpPr>
+      <p:grpSpPr>
+        <a:xfrm>
+          <a:off x="0" y="0"/>
+          <a:ext cx="0" cy="0"/>
+          <a:chOff x="0" y="0"/>
+          <a:chExt cx="0" cy="0"/>
+        </a:xfrm>
+      </p:grpSpPr>
+      <p:sp>
+        <p:nvSpPr>
+          <p:cNvPr id="2" name="Title 1">
+            <a:extLst>
+              <a:ext uri="{FF2B5EF4-FFF2-40B4-BE49-F238E27FC236}">
+                <a16:creationId xmlns:a16="http://schemas.microsoft.com/office/drawing/2014/main" id="{74031135-10A5-1294-D149-FFF6C1F8DD1D}"/>
+              </a:ext>
+            </a:extLst>
+          </p:cNvPr>
+          <p:cNvSpPr>
+            <a:spLocks noGrp="1"/>
+          </p:cNvSpPr>
+          <p:nvPr>
+            <p:ph type="title"/>
+          </p:nvPr>
+        </p:nvSpPr>
+        <p:spPr/>
+        <p:txBody>
+          <a:bodyPr/>
+          <a:lstStyle/>
+          <a:p>
+            <a:endParaRPr lang="en-US"/>
+          </a:p>
+        </p:txBody>
+      </p:sp>
+      <p:sp>
+        <p:nvSpPr>
+          <p:cNvPr id="3" name="Content Placeholder 2">
+            <a:extLst>
+              <a:ext uri="{FF2B5EF4-FFF2-40B4-BE49-F238E27FC236}">
+                <a16:creationId xmlns:a16="http://schemas.microsoft.com/office/drawing/2014/main" id="{C61AD306-2698-4C3E-4229-D33251906CD4}"/>
+              </a:ext>
+            </a:extLst>
+          </p:cNvPr>
+          <p:cNvSpPr>
+            <a:spLocks noGrp="1"/>
+          </p:cNvSpPr>
+          <p:nvPr>
+            <p:ph idx="1"/>
+          </p:nvPr>
+        </p:nvSpPr>
+        <p:spPr/>
+        <p:txBody>
+          <a:bodyPr/>
+          <a:lstStyle/>
+          <a:p>
+            <a:endParaRPr lang="en-US"/>
+          </a:p>
+        </p:txBody>
+      </p:sp>
+      <p:sp>
+        <p:nvSpPr>
+          <p:cNvPr id="6" name="Content Placeholder 2">
+            <a:extLst>
+              <a:ext uri="{FF2B5EF4-FFF2-40B4-BE49-F238E27FC236}">
+                <a16:creationId xmlns:a16="http://schemas.microsoft.com/office/drawing/2014/main" id="{3D1D32B1-9EF4-0946-2663-44FD2761AF21}"/>
+              </a:ext>
+            </a:extLst>
+          </p:cNvPr>
+          <p:cNvSpPr txBox="1">
+            <a:spLocks/>
+          </p:cNvSpPr>
+          <p:nvPr/>
+        </p:nvSpPr>
+        <p:spPr>
+          <a:xfrm>
+            <a:off x="5559552" y="3900360"/>
+            <a:ext cx="4687824" cy="1038035"/>
+          </a:xfrm>
+          <a:prstGeom prst="rect">
+            <a:avLst/>
+          </a:prstGeom>
+        </p:spPr>
+        <p:txBody>
+          <a:bodyPr vert="horz" lIns="91440" tIns="45720" rIns="91440" bIns="45720" rtlCol="0">
+            <a:normAutofit lnSpcReduction="10000"/>
+          </a:bodyPr>
+          <a:lstStyle>
+            <a:lvl1pPr marL="228600" indent="-228600" algn="l" defTabSz="914400" rtl="0" eaLnBrk="1" latinLnBrk="0" hangingPunct="1">
+              <a:lnSpc>
+                <a:spcPct val="90000"/>
+              </a:lnSpc>
+              <a:spcBef>
+                <a:spcPts val="1000"/>
+              </a:spcBef>
+              <a:buFont typeface="Arial" panose="020B0604020202020204" pitchFamily="34" charset="0"/>
+              <a:buChar char="•"/>
+              <a:defRPr sz="2800" kern="1200">
+                <a:solidFill>
+                  <a:schemeClr val="tx1"/>
+                </a:solidFill>
+                <a:latin typeface="+mn-lt"/>
+                <a:ea typeface="+mn-ea"/>
+                <a:cs typeface="+mn-cs"/>
+              </a:defRPr>
+            </a:lvl1pPr>
+            <a:lvl2pPr marL="685800" indent="-228600" algn="l" defTabSz="914400" rtl="0" eaLnBrk="1" latinLnBrk="0" hangingPunct="1">
+              <a:lnSpc>
+                <a:spcPct val="90000"/>
+              </a:lnSpc>
+              <a:spcBef>
+                <a:spcPts val="500"/>
+              </a:spcBef>
+              <a:buFont typeface="Arial" panose="020B0604020202020204" pitchFamily="34" charset="0"/>
+              <a:buChar char="•"/>
+              <a:defRPr sz="2400" kern="1200">
+                <a:solidFill>
+                  <a:schemeClr val="tx1"/>
+                </a:solidFill>
+                <a:latin typeface="+mn-lt"/>
+                <a:ea typeface="+mn-ea"/>
+                <a:cs typeface="+mn-cs"/>
+              </a:defRPr>
+            </a:lvl2pPr>
+            <a:lvl3pPr marL="1143000" indent="-228600" algn="l" defTabSz="914400" rtl="0" eaLnBrk="1" latinLnBrk="0" hangingPunct="1">
+              <a:lnSpc>
+                <a:spcPct val="90000"/>
+              </a:lnSpc>
+              <a:spcBef>
+                <a:spcPts val="500"/>
+              </a:spcBef>
+              <a:buFont typeface="Arial" panose="020B0604020202020204" pitchFamily="34" charset="0"/>
+              <a:buChar char="•"/>
+              <a:defRPr sz="2000" kern="1200">
+                <a:solidFill>
+                  <a:schemeClr val="tx1"/>
+                </a:solidFill>
+                <a:latin typeface="+mn-lt"/>
+                <a:ea typeface="+mn-ea"/>
+                <a:cs typeface="+mn-cs"/>
+              </a:defRPr>
+            </a:lvl3pPr>
+            <a:lvl4pPr marL="1600200" indent="-228600" algn="l" defTabSz="914400" rtl="0" eaLnBrk="1" latinLnBrk="0" hangingPunct="1">
+              <a:lnSpc>
+                <a:spcPct val="90000"/>
+              </a:lnSpc>
+              <a:spcBef>
+                <a:spcPts val="500"/>
+              </a:spcBef>
+              <a:buFont typeface="Arial" panose="020B0604020202020204" pitchFamily="34" charset="0"/>
+              <a:buChar char="•"/>
+              <a:defRPr sz="1800" kern="1200">
+                <a:solidFill>
+                  <a:schemeClr val="tx1"/>
+                </a:solidFill>
+                <a:latin typeface="+mn-lt"/>
+                <a:ea typeface="+mn-ea"/>
+                <a:cs typeface="+mn-cs"/>
+              </a:defRPr>
+            </a:lvl4pPr>
+            <a:lvl5pPr marL="2057400" indent="-228600" algn="l" defTabSz="914400" rtl="0" eaLnBrk="1" latinLnBrk="0" hangingPunct="1">
+              <a:lnSpc>
+                <a:spcPct val="90000"/>
+              </a:lnSpc>
+              <a:spcBef>
+                <a:spcPts val="500"/>
+              </a:spcBef>
+              <a:buFont typeface="Arial" panose="020B0604020202020204" pitchFamily="34" charset="0"/>
+              <a:buChar char="•"/>
+              <a:defRPr sz="1800" kern="1200">
+                <a:solidFill>
+                  <a:schemeClr val="tx1"/>
+                </a:solidFill>
+                <a:latin typeface="+mn-lt"/>
+                <a:ea typeface="+mn-ea"/>
+                <a:cs typeface="+mn-cs"/>
+              </a:defRPr>
+            </a:lvl5pPr>
+            <a:lvl6pPr marL="2514600" indent="-228600" algn="l" defTabSz="914400" rtl="0" eaLnBrk="1" latinLnBrk="0" hangingPunct="1">
+              <a:lnSpc>
+                <a:spcPct val="90000"/>
+              </a:lnSpc>
+              <a:spcBef>
+                <a:spcPts val="500"/>
+              </a:spcBef>
+              <a:buFont typeface="Arial" panose="020B0604020202020204" pitchFamily="34" charset="0"/>
+              <a:buChar char="•"/>
+              <a:defRPr sz="1800" kern="1200">
+                <a:solidFill>
+                  <a:schemeClr val="tx1"/>
+                </a:solidFill>
+                <a:latin typeface="+mn-lt"/>
+                <a:ea typeface="+mn-ea"/>
+                <a:cs typeface="+mn-cs"/>
+              </a:defRPr>
+            </a:lvl6pPr>
+            <a:lvl7pPr marL="2971800" indent="-228600" algn="l" defTabSz="914400" rtl="0" eaLnBrk="1" latinLnBrk="0" hangingPunct="1">
+              <a:lnSpc>
+                <a:spcPct val="90000"/>
+              </a:lnSpc>
+              <a:spcBef>
+                <a:spcPts val="500"/>
+              </a:spcBef>
+              <a:buFont typeface="Arial" panose="020B0604020202020204" pitchFamily="34" charset="0"/>
+              <a:buChar char="•"/>
+              <a:defRPr sz="1800" kern="1200">
+                <a:solidFill>
+                  <a:schemeClr val="tx1"/>
+                </a:solidFill>
+                <a:latin typeface="+mn-lt"/>
+                <a:ea typeface="+mn-ea"/>
+                <a:cs typeface="+mn-cs"/>
+              </a:defRPr>
+            </a:lvl7pPr>
+            <a:lvl8pPr marL="3429000" indent="-228600" algn="l" defTabSz="914400" rtl="0" eaLnBrk="1" latinLnBrk="0" hangingPunct="1">
+              <a:lnSpc>
+                <a:spcPct val="90000"/>
+              </a:lnSpc>
+              <a:spcBef>
+                <a:spcPts val="500"/>
+              </a:spcBef>
+              <a:buFont typeface="Arial" panose="020B0604020202020204" pitchFamily="34" charset="0"/>
+              <a:buChar char="•"/>
+              <a:defRPr sz="1800" kern="1200">
+                <a:solidFill>
+                  <a:schemeClr val="tx1"/>
+                </a:solidFill>
+                <a:latin typeface="+mn-lt"/>
+                <a:ea typeface="+mn-ea"/>
+                <a:cs typeface="+mn-cs"/>
+              </a:defRPr>
+            </a:lvl8pPr>
+            <a:lvl9pPr marL="3886200" indent="-228600" algn="l" defTabSz="914400" rtl="0" eaLnBrk="1" latinLnBrk="0" hangingPunct="1">
+              <a:lnSpc>
+                <a:spcPct val="90000"/>
+              </a:lnSpc>
+              <a:spcBef>
+                <a:spcPts val="500"/>
+              </a:spcBef>
+              <a:buFont typeface="Arial" panose="020B0604020202020204" pitchFamily="34" charset="0"/>
+              <a:buChar char="•"/>
+              <a:defRPr sz="1800" kern="1200">
+                <a:solidFill>
+                  <a:schemeClr val="tx1"/>
+                </a:solidFill>
+                <a:latin typeface="+mn-lt"/>
+                <a:ea typeface="+mn-ea"/>
+                <a:cs typeface="+mn-cs"/>
+              </a:defRPr>
+            </a:lvl9pPr>
+          </a:lstStyle>
+          <a:p>
+            <a:pPr marL="0" indent="0">
+              <a:buFont typeface="Arial" panose="020B0604020202020204" pitchFamily="34" charset="0"/>
+              <a:buNone/>
+            </a:pPr>
+            <a:r>
+              <a:rPr lang="en-US" sz="1800" dirty="0"/>
+              <a:t>Abandon the idea of columns as wavenumbers. The SQL works better by being able to fetch directly one value given one wavelength and id sample</a:t>
+            </a:r>
+          </a:p>
+        </p:txBody>
+      </p:sp>
+    </p:spTree>
+    <p:extLst>
+      <p:ext uri="{BB962C8B-B14F-4D97-AF65-F5344CB8AC3E}">
+        <p14:creationId xmlns:p14="http://schemas.microsoft.com/office/powerpoint/2010/main" val="2338606265"/>
       </p:ext>
     </p:extLst>
   </p:cSld>

--- a/raman_week8.pptx
+++ b/raman_week8.pptx
@@ -7,7 +7,9 @@
   <p:sldIdLst>
     <p:sldId id="270" r:id="rId2"/>
     <p:sldId id="271" r:id="rId3"/>
-    <p:sldId id="272" r:id="rId4"/>
+    <p:sldId id="274" r:id="rId4"/>
+    <p:sldId id="272" r:id="rId5"/>
+    <p:sldId id="273" r:id="rId6"/>
   </p:sldIdLst>
   <p:sldSz cx="12192000" cy="6858000"/>
   <p:notesSz cx="6858000" cy="9144000"/>
@@ -263,7 +265,7 @@
           <a:p>
             <a:fld id="{6822D85E-D2FB-42BA-8FC7-836FE23099A3}" type="datetimeFigureOut">
               <a:rPr lang="en-CH" smtClean="0"/>
-              <a:t>10/31/2025</a:t>
+              <a:t>11/03/2025</a:t>
             </a:fld>
             <a:endParaRPr lang="en-CH"/>
           </a:p>
@@ -463,7 +465,7 @@
           <a:p>
             <a:fld id="{6822D85E-D2FB-42BA-8FC7-836FE23099A3}" type="datetimeFigureOut">
               <a:rPr lang="en-CH" smtClean="0"/>
-              <a:t>10/31/2025</a:t>
+              <a:t>11/03/2025</a:t>
             </a:fld>
             <a:endParaRPr lang="en-CH"/>
           </a:p>
@@ -673,7 +675,7 @@
           <a:p>
             <a:fld id="{6822D85E-D2FB-42BA-8FC7-836FE23099A3}" type="datetimeFigureOut">
               <a:rPr lang="en-CH" smtClean="0"/>
-              <a:t>10/31/2025</a:t>
+              <a:t>11/03/2025</a:t>
             </a:fld>
             <a:endParaRPr lang="en-CH"/>
           </a:p>
@@ -873,7 +875,7 @@
           <a:p>
             <a:fld id="{6822D85E-D2FB-42BA-8FC7-836FE23099A3}" type="datetimeFigureOut">
               <a:rPr lang="en-CH" smtClean="0"/>
-              <a:t>10/31/2025</a:t>
+              <a:t>11/03/2025</a:t>
             </a:fld>
             <a:endParaRPr lang="en-CH"/>
           </a:p>
@@ -1149,7 +1151,7 @@
           <a:p>
             <a:fld id="{6822D85E-D2FB-42BA-8FC7-836FE23099A3}" type="datetimeFigureOut">
               <a:rPr lang="en-CH" smtClean="0"/>
-              <a:t>10/31/2025</a:t>
+              <a:t>11/03/2025</a:t>
             </a:fld>
             <a:endParaRPr lang="en-CH"/>
           </a:p>
@@ -1417,7 +1419,7 @@
           <a:p>
             <a:fld id="{6822D85E-D2FB-42BA-8FC7-836FE23099A3}" type="datetimeFigureOut">
               <a:rPr lang="en-CH" smtClean="0"/>
-              <a:t>10/31/2025</a:t>
+              <a:t>11/03/2025</a:t>
             </a:fld>
             <a:endParaRPr lang="en-CH"/>
           </a:p>
@@ -1832,7 +1834,7 @@
           <a:p>
             <a:fld id="{6822D85E-D2FB-42BA-8FC7-836FE23099A3}" type="datetimeFigureOut">
               <a:rPr lang="en-CH" smtClean="0"/>
-              <a:t>10/31/2025</a:t>
+              <a:t>11/03/2025</a:t>
             </a:fld>
             <a:endParaRPr lang="en-CH"/>
           </a:p>
@@ -1974,7 +1976,7 @@
           <a:p>
             <a:fld id="{6822D85E-D2FB-42BA-8FC7-836FE23099A3}" type="datetimeFigureOut">
               <a:rPr lang="en-CH" smtClean="0"/>
-              <a:t>10/31/2025</a:t>
+              <a:t>11/03/2025</a:t>
             </a:fld>
             <a:endParaRPr lang="en-CH"/>
           </a:p>
@@ -2087,7 +2089,7 @@
           <a:p>
             <a:fld id="{6822D85E-D2FB-42BA-8FC7-836FE23099A3}" type="datetimeFigureOut">
               <a:rPr lang="en-CH" smtClean="0"/>
-              <a:t>10/31/2025</a:t>
+              <a:t>11/03/2025</a:t>
             </a:fld>
             <a:endParaRPr lang="en-CH"/>
           </a:p>
@@ -2400,7 +2402,7 @@
           <a:p>
             <a:fld id="{6822D85E-D2FB-42BA-8FC7-836FE23099A3}" type="datetimeFigureOut">
               <a:rPr lang="en-CH" smtClean="0"/>
-              <a:t>10/31/2025</a:t>
+              <a:t>11/03/2025</a:t>
             </a:fld>
             <a:endParaRPr lang="en-CH"/>
           </a:p>
@@ -2689,7 +2691,7 @@
           <a:p>
             <a:fld id="{6822D85E-D2FB-42BA-8FC7-836FE23099A3}" type="datetimeFigureOut">
               <a:rPr lang="en-CH" smtClean="0"/>
-              <a:t>10/31/2025</a:t>
+              <a:t>11/03/2025</a:t>
             </a:fld>
             <a:endParaRPr lang="en-CH"/>
           </a:p>
@@ -2932,7 +2934,7 @@
           <a:p>
             <a:fld id="{6822D85E-D2FB-42BA-8FC7-836FE23099A3}" type="datetimeFigureOut">
               <a:rPr lang="en-CH" smtClean="0"/>
-              <a:t>10/31/2025</a:t>
+              <a:t>11/03/2025</a:t>
             </a:fld>
             <a:endParaRPr lang="en-CH"/>
           </a:p>
@@ -3800,13 +3802,13 @@
         </p:nvSpPr>
         <p:spPr>
           <a:xfrm>
-            <a:off x="6750960" y="365125"/>
-            <a:ext cx="4602839" cy="5240147"/>
+            <a:off x="5733288" y="365125"/>
+            <a:ext cx="6062472" cy="6035675"/>
           </a:xfrm>
         </p:spPr>
         <p:txBody>
           <a:bodyPr>
-            <a:normAutofit fontScale="90000"/>
+            <a:normAutofit/>
           </a:bodyPr>
           <a:lstStyle/>
           <a:p>
@@ -3820,12 +3822,9 @@
             <a:br>
               <a:rPr lang="en-US" sz="2800" dirty="0"/>
             </a:br>
-            <a:br>
-              <a:rPr lang="en-US" sz="2800" dirty="0"/>
-            </a:br>
             <a:r>
               <a:rPr lang="en-US" sz="1800" dirty="0"/>
-              <a:t>Gradient descent.</a:t>
+              <a:t>It currently looks a lot like gradient descent. Epochs are able to fine tune more and more. May introduce batches later: validation set and training set, randomly re-selected at each epoch.</a:t>
             </a:r>
             <a:br>
               <a:rPr lang="en-US" sz="1800" dirty="0"/>
@@ -3840,35 +3839,9 @@
             <a:br>
               <a:rPr lang="en-US" sz="1800" dirty="0"/>
             </a:br>
-            <a:r>
-              <a:rPr lang="en-US" sz="1800" dirty="0"/>
-              <a:t>Currently having problems with dimensions of data input. Different samples have different amount of data points. Consider taking higher interval and treating missing datapoints  as 0 or NULL.</a:t>
-            </a:r>
             <a:br>
               <a:rPr lang="en-US" sz="1800" dirty="0"/>
             </a:br>
-            <a:br>
-              <a:rPr lang="en-US" sz="1800" dirty="0"/>
-            </a:br>
-            <a:br>
-              <a:rPr lang="en-US" sz="1800" dirty="0"/>
-            </a:br>
-            <a:r>
-              <a:rPr lang="en-US" sz="1800" dirty="0"/>
-              <a:t>Possibility to add </a:t>
-            </a:r>
-            <a:r>
-              <a:rPr lang="en-US" sz="1800" dirty="0" err="1"/>
-              <a:t>gui</a:t>
-            </a:r>
-            <a:r>
-              <a:rPr lang="en-US" sz="1800" dirty="0"/>
-              <a:t> for training such that when a good amount of samples are added, one can re-train at home. Then re-store </a:t>
-            </a:r>
-            <a:r>
-              <a:rPr lang="en-US" sz="1800"/>
-              <a:t>the model cache</a:t>
-            </a:r>
             <a:endParaRPr lang="en-US" sz="2800" dirty="0"/>
           </a:p>
         </p:txBody>
@@ -3938,6 +3911,152 @@
           <p:cNvPr id="2" name="Title 1">
             <a:extLst>
               <a:ext uri="{FF2B5EF4-FFF2-40B4-BE49-F238E27FC236}">
+                <a16:creationId xmlns:a16="http://schemas.microsoft.com/office/drawing/2014/main" id="{660D7E69-F929-4424-6E0E-E281B854A1FA}"/>
+              </a:ext>
+            </a:extLst>
+          </p:cNvPr>
+          <p:cNvSpPr>
+            <a:spLocks noGrp="1"/>
+          </p:cNvSpPr>
+          <p:nvPr>
+            <p:ph type="title"/>
+          </p:nvPr>
+        </p:nvSpPr>
+        <p:spPr/>
+        <p:txBody>
+          <a:bodyPr/>
+          <a:lstStyle/>
+          <a:p>
+            <a:endParaRPr lang="en-US"/>
+          </a:p>
+        </p:txBody>
+      </p:sp>
+      <p:sp>
+        <p:nvSpPr>
+          <p:cNvPr id="3" name="Content Placeholder 2">
+            <a:extLst>
+              <a:ext uri="{FF2B5EF4-FFF2-40B4-BE49-F238E27FC236}">
+                <a16:creationId xmlns:a16="http://schemas.microsoft.com/office/drawing/2014/main" id="{79D28135-808B-59DC-19CC-2CA65BE5AD93}"/>
+              </a:ext>
+            </a:extLst>
+          </p:cNvPr>
+          <p:cNvSpPr>
+            <a:spLocks noGrp="1"/>
+          </p:cNvSpPr>
+          <p:nvPr>
+            <p:ph idx="1"/>
+          </p:nvPr>
+        </p:nvSpPr>
+        <p:spPr/>
+        <p:txBody>
+          <a:bodyPr>
+            <a:normAutofit/>
+          </a:bodyPr>
+          <a:lstStyle/>
+          <a:p>
+            <a:pPr marL="0" indent="0">
+              <a:buNone/>
+            </a:pPr>
+            <a:r>
+              <a:rPr lang="en-US" sz="1800" dirty="0"/>
+              <a:t>Currently having problems with dimensions of data input. Different samples have different amount of data points. Consider taking higher interval and treating missing datapoints  as 0 or NULL.</a:t>
+            </a:r>
+          </a:p>
+          <a:p>
+            <a:pPr marL="0" indent="0">
+              <a:buNone/>
+            </a:pPr>
+            <a:r>
+              <a:rPr lang="en-US" sz="1800" dirty="0"/>
+              <a:t>-&gt;actually, the best option is to do a mask layer (in addition to adding 0s at the end), with either 0s or 1s, which tells the network which datapoints are valid and which not. Nodes with 0s will have no impact on the dense layers after. 650 to 810nm range</a:t>
+            </a:r>
+            <a:br>
+              <a:rPr lang="en-US" sz="1800" dirty="0"/>
+            </a:br>
+            <a:br>
+              <a:rPr lang="en-US" sz="1800" dirty="0"/>
+            </a:br>
+            <a:r>
+              <a:rPr lang="en-US" sz="1800" dirty="0"/>
+              <a:t>Possibility to add GUI for training such that when a good amount of samples are added, one can re-train at home. Then re-store the model cache. Make user friendly</a:t>
+            </a:r>
+          </a:p>
+          <a:p>
+            <a:pPr marL="0" indent="0">
+              <a:buNone/>
+            </a:pPr>
+            <a:endParaRPr lang="en-US" sz="1800" dirty="0"/>
+          </a:p>
+          <a:p>
+            <a:pPr marL="0" indent="0">
+              <a:buNone/>
+            </a:pPr>
+            <a:endParaRPr lang="en-US" sz="1800" dirty="0"/>
+          </a:p>
+          <a:p>
+            <a:pPr marL="0" indent="0">
+              <a:buNone/>
+            </a:pPr>
+            <a:r>
+              <a:rPr lang="en-US" sz="1800" dirty="0"/>
+              <a:t>For next week: Design the “actual” testing.</a:t>
+            </a:r>
+          </a:p>
+          <a:p>
+            <a:pPr marL="0" indent="0">
+              <a:buNone/>
+            </a:pPr>
+            <a:r>
+              <a:rPr lang="en-US" sz="1800" dirty="0"/>
+              <a:t>-&gt; Taking a sample from user and instead of calling peak detection, call network.</a:t>
+            </a:r>
+          </a:p>
+          <a:p>
+            <a:pPr marL="0" indent="0">
+              <a:buNone/>
+            </a:pPr>
+            <a:r>
+              <a:rPr lang="en-US" sz="1800" dirty="0"/>
+              <a:t>-&gt; Design the output: Type of microplastic (for now it will be 1 sample) and % of confidence. Make a GUI also.</a:t>
+            </a:r>
+          </a:p>
+        </p:txBody>
+      </p:sp>
+    </p:spTree>
+    <p:extLst>
+      <p:ext uri="{BB962C8B-B14F-4D97-AF65-F5344CB8AC3E}">
+        <p14:creationId xmlns:p14="http://schemas.microsoft.com/office/powerpoint/2010/main" val="2207370078"/>
+      </p:ext>
+    </p:extLst>
+  </p:cSld>
+  <p:clrMapOvr>
+    <a:masterClrMapping/>
+  </p:clrMapOvr>
+</p:sld>
+</file>
+
+<file path=ppt/slides/slide4.xml><?xml version="1.0" encoding="utf-8"?>
+<p:sld xmlns:a="http://schemas.openxmlformats.org/drawingml/2006/main" xmlns:r="http://schemas.openxmlformats.org/officeDocument/2006/relationships" xmlns:p="http://schemas.openxmlformats.org/presentationml/2006/main">
+  <p:cSld>
+    <p:spTree>
+      <p:nvGrpSpPr>
+        <p:cNvPr id="1" name=""/>
+        <p:cNvGrpSpPr/>
+        <p:nvPr/>
+      </p:nvGrpSpPr>
+      <p:grpSpPr>
+        <a:xfrm>
+          <a:off x="0" y="0"/>
+          <a:ext cx="0" cy="0"/>
+          <a:chOff x="0" y="0"/>
+          <a:chExt cx="0" cy="0"/>
+        </a:xfrm>
+      </p:grpSpPr>
+      <p:sp>
+        <p:nvSpPr>
+          <p:cNvPr id="2" name="Title 1">
+            <a:extLst>
+              <a:ext uri="{FF2B5EF4-FFF2-40B4-BE49-F238E27FC236}">
                 <a16:creationId xmlns:a16="http://schemas.microsoft.com/office/drawing/2014/main" id="{74031135-10A5-1294-D149-FFF6C1F8DD1D}"/>
               </a:ext>
             </a:extLst>
@@ -3949,37 +4068,22 @@
             <p:ph type="title"/>
           </p:nvPr>
         </p:nvSpPr>
-        <p:spPr/>
-        <p:txBody>
-          <a:bodyPr/>
-          <a:lstStyle/>
-          <a:p>
-            <a:endParaRPr lang="en-US"/>
-          </a:p>
-        </p:txBody>
-      </p:sp>
-      <p:sp>
-        <p:nvSpPr>
-          <p:cNvPr id="3" name="Content Placeholder 2">
-            <a:extLst>
-              <a:ext uri="{FF2B5EF4-FFF2-40B4-BE49-F238E27FC236}">
-                <a16:creationId xmlns:a16="http://schemas.microsoft.com/office/drawing/2014/main" id="{C61AD306-2698-4C3E-4229-D33251906CD4}"/>
-              </a:ext>
-            </a:extLst>
-          </p:cNvPr>
-          <p:cNvSpPr>
-            <a:spLocks noGrp="1"/>
-          </p:cNvSpPr>
-          <p:nvPr>
-            <p:ph idx="1"/>
-          </p:nvPr>
-        </p:nvSpPr>
-        <p:spPr/>
-        <p:txBody>
-          <a:bodyPr/>
-          <a:lstStyle/>
-          <a:p>
-            <a:endParaRPr lang="en-US"/>
+        <p:spPr>
+          <a:xfrm>
+            <a:off x="391668" y="127381"/>
+            <a:ext cx="10515600" cy="1325563"/>
+          </a:xfrm>
+        </p:spPr>
+        <p:txBody>
+          <a:bodyPr>
+            <a:normAutofit/>
+          </a:bodyPr>
+          <a:lstStyle/>
+          <a:p>
+            <a:r>
+              <a:rPr lang="en-US" sz="4000" dirty="0"/>
+              <a:t>Database structure (for info)</a:t>
+            </a:r>
           </a:p>
         </p:txBody>
       </p:sp>
@@ -3999,8 +4103,8 @@
         </p:nvSpPr>
         <p:spPr>
           <a:xfrm>
-            <a:off x="5559552" y="3900360"/>
-            <a:ext cx="4687824" cy="1038035"/>
+            <a:off x="391668" y="1216152"/>
+            <a:ext cx="9622536" cy="4581144"/>
           </a:xfrm>
           <a:prstGeom prst="rect">
             <a:avLst/>
@@ -4008,7 +4112,7 @@
         </p:spPr>
         <p:txBody>
           <a:bodyPr vert="horz" lIns="91440" tIns="45720" rIns="91440" bIns="45720" rtlCol="0">
-            <a:normAutofit lnSpcReduction="10000"/>
+            <a:normAutofit/>
           </a:bodyPr>
           <a:lstStyle>
             <a:lvl1pPr marL="228600" indent="-228600" algn="l" defTabSz="914400" rtl="0" eaLnBrk="1" latinLnBrk="0" hangingPunct="1">
@@ -4181,8 +4285,54 @@
             </a:pPr>
             <a:r>
               <a:rPr lang="en-US" sz="1800" dirty="0"/>
-              <a:t>Abandon the idea of columns as wavenumbers. The SQL works better by being able to fetch directly one value given one wavelength and id sample</a:t>
-            </a:r>
+              <a:t>Abandon the idea of columns as wavenumbers. </a:t>
+            </a:r>
+          </a:p>
+          <a:p>
+            <a:pPr marL="0" indent="0">
+              <a:buFont typeface="Arial" panose="020B0604020202020204" pitchFamily="34" charset="0"/>
+              <a:buNone/>
+            </a:pPr>
+            <a:r>
+              <a:rPr lang="en-US" sz="1800" dirty="0"/>
+              <a:t>-&gt; The SQL works better by being able to fetch directly one value given one wavelength and ID sample. So we keep that structure and call the datapoints each time. For epochs trainings, the current samples are stored in the RAM, so it shouldn’t have performances issues (it hasn’t yet).</a:t>
+            </a:r>
+          </a:p>
+          <a:p>
+            <a:pPr marL="0" indent="0">
+              <a:buFont typeface="Arial" panose="020B0604020202020204" pitchFamily="34" charset="0"/>
+              <a:buNone/>
+            </a:pPr>
+            <a:r>
+              <a:rPr lang="en-US" sz="1800" dirty="0" err="1"/>
+              <a:t>DataTensor</a:t>
+            </a:r>
+            <a:r>
+              <a:rPr lang="en-US" sz="1800" dirty="0"/>
+              <a:t>  or </a:t>
+            </a:r>
+            <a:r>
+              <a:rPr lang="en-US" sz="1800" dirty="0" err="1"/>
+              <a:t>torch.tensor</a:t>
+            </a:r>
+            <a:r>
+              <a:rPr lang="en-US" sz="1800" dirty="0"/>
+              <a:t> structure.</a:t>
+            </a:r>
+          </a:p>
+          <a:p>
+            <a:pPr marL="0" indent="0">
+              <a:buFont typeface="Arial" panose="020B0604020202020204" pitchFamily="34" charset="0"/>
+              <a:buNone/>
+            </a:pPr>
+            <a:endParaRPr lang="en-US" sz="1800" dirty="0"/>
+          </a:p>
+          <a:p>
+            <a:pPr marL="0" indent="0">
+              <a:buFont typeface="Arial" panose="020B0604020202020204" pitchFamily="34" charset="0"/>
+              <a:buNone/>
+            </a:pPr>
+            <a:endParaRPr lang="en-US" sz="1800" dirty="0"/>
           </a:p>
         </p:txBody>
       </p:sp>
@@ -4190,6 +4340,212 @@
     <p:extLst>
       <p:ext uri="{BB962C8B-B14F-4D97-AF65-F5344CB8AC3E}">
         <p14:creationId xmlns:p14="http://schemas.microsoft.com/office/powerpoint/2010/main" val="2338606265"/>
+      </p:ext>
+    </p:extLst>
+  </p:cSld>
+  <p:clrMapOvr>
+    <a:masterClrMapping/>
+  </p:clrMapOvr>
+</p:sld>
+</file>
+
+<file path=ppt/slides/slide5.xml><?xml version="1.0" encoding="utf-8"?>
+<p:sld xmlns:a="http://schemas.openxmlformats.org/drawingml/2006/main" xmlns:r="http://schemas.openxmlformats.org/officeDocument/2006/relationships" xmlns:p="http://schemas.openxmlformats.org/presentationml/2006/main">
+  <p:cSld>
+    <p:spTree>
+      <p:nvGrpSpPr>
+        <p:cNvPr id="1" name=""/>
+        <p:cNvGrpSpPr/>
+        <p:nvPr/>
+      </p:nvGrpSpPr>
+      <p:grpSpPr>
+        <a:xfrm>
+          <a:off x="0" y="0"/>
+          <a:ext cx="0" cy="0"/>
+          <a:chOff x="0" y="0"/>
+          <a:chExt cx="0" cy="0"/>
+        </a:xfrm>
+      </p:grpSpPr>
+      <p:sp>
+        <p:nvSpPr>
+          <p:cNvPr id="2" name="Title 1">
+            <a:extLst>
+              <a:ext uri="{FF2B5EF4-FFF2-40B4-BE49-F238E27FC236}">
+                <a16:creationId xmlns:a16="http://schemas.microsoft.com/office/drawing/2014/main" id="{7248851E-B338-CAB4-C8DD-490B9A90563D}"/>
+              </a:ext>
+            </a:extLst>
+          </p:cNvPr>
+          <p:cNvSpPr>
+            <a:spLocks noGrp="1"/>
+          </p:cNvSpPr>
+          <p:nvPr>
+            <p:ph type="title"/>
+          </p:nvPr>
+        </p:nvSpPr>
+        <p:spPr>
+          <a:xfrm>
+            <a:off x="216790" y="18255"/>
+            <a:ext cx="10515600" cy="1325563"/>
+          </a:xfrm>
+        </p:spPr>
+        <p:txBody>
+          <a:bodyPr/>
+          <a:lstStyle/>
+          <a:p>
+            <a:r>
+              <a:rPr lang="en-US" dirty="0"/>
+              <a:t>Pi4-Pi5</a:t>
+            </a:r>
+          </a:p>
+        </p:txBody>
+      </p:sp>
+      <p:sp>
+        <p:nvSpPr>
+          <p:cNvPr id="3" name="Content Placeholder 2">
+            <a:extLst>
+              <a:ext uri="{FF2B5EF4-FFF2-40B4-BE49-F238E27FC236}">
+                <a16:creationId xmlns:a16="http://schemas.microsoft.com/office/drawing/2014/main" id="{6239460A-1F42-8B06-4B92-52AE30282D4C}"/>
+              </a:ext>
+            </a:extLst>
+          </p:cNvPr>
+          <p:cNvSpPr>
+            <a:spLocks noGrp="1"/>
+          </p:cNvSpPr>
+          <p:nvPr>
+            <p:ph idx="1"/>
+          </p:nvPr>
+        </p:nvSpPr>
+        <p:spPr>
+          <a:xfrm>
+            <a:off x="216790" y="1188720"/>
+            <a:ext cx="6309360" cy="5436299"/>
+          </a:xfrm>
+        </p:spPr>
+        <p:txBody>
+          <a:bodyPr>
+            <a:normAutofit/>
+          </a:bodyPr>
+          <a:lstStyle/>
+          <a:p>
+            <a:pPr marL="0" indent="0">
+              <a:buNone/>
+            </a:pPr>
+            <a:r>
+              <a:rPr lang="en-US" sz="1800" dirty="0"/>
+              <a:t>Pi4 looks similar to Pi5, the 3D printed cage for it should be reusable. Also try using ethernet-</a:t>
+            </a:r>
+            <a:r>
+              <a:rPr lang="en-US" sz="1800" dirty="0" err="1"/>
+              <a:t>usb</a:t>
+            </a:r>
+            <a:r>
+              <a:rPr lang="en-US" sz="1800" dirty="0"/>
+              <a:t> adaptor.</a:t>
+            </a:r>
+          </a:p>
+          <a:p>
+            <a:pPr marL="0" indent="0">
+              <a:buNone/>
+            </a:pPr>
+            <a:r>
+              <a:rPr lang="en-US" sz="1800" dirty="0"/>
+              <a:t>But the bandwidth is announced as 1000mb/s for both! So the same problem of only getting about 100mb/s may persist.</a:t>
+            </a:r>
+          </a:p>
+          <a:p>
+            <a:pPr marL="0" indent="0">
+              <a:buNone/>
+            </a:pPr>
+            <a:endParaRPr lang="en-US" sz="1800" dirty="0"/>
+          </a:p>
+          <a:p>
+            <a:pPr marL="0" indent="0">
+              <a:buNone/>
+            </a:pPr>
+            <a:r>
+              <a:rPr lang="en-US" sz="1800" b="1" dirty="0" err="1"/>
+              <a:t>LattePanda</a:t>
+            </a:r>
+            <a:r>
+              <a:rPr lang="en-US" sz="1800" b="1" dirty="0"/>
+              <a:t> Sigma</a:t>
+            </a:r>
+            <a:r>
+              <a:rPr lang="en-US" sz="1800" dirty="0"/>
+              <a:t> — 13th-gen Intel Core, </a:t>
+            </a:r>
+            <a:r>
+              <a:rPr lang="en-US" sz="1800" b="1" dirty="0"/>
+              <a:t>dual 2.5 GbE (Intel i225-V)</a:t>
+            </a:r>
+            <a:r>
+              <a:rPr lang="en-US" sz="1800" dirty="0"/>
+              <a:t>,</a:t>
+            </a:r>
+          </a:p>
+          <a:p>
+            <a:pPr marL="0" indent="0">
+              <a:buNone/>
+            </a:pPr>
+            <a:endParaRPr lang="en-US" sz="1800" dirty="0"/>
+          </a:p>
+          <a:p>
+            <a:pPr marL="0" indent="0">
+              <a:buNone/>
+            </a:pPr>
+            <a:r>
+              <a:rPr lang="en-US" sz="1800" b="1" dirty="0"/>
+              <a:t>AAEON UP Squared Pro 7000</a:t>
+            </a:r>
+            <a:r>
+              <a:rPr lang="en-US" sz="1800" dirty="0"/>
+              <a:t> — Atom-class but industrial, </a:t>
+            </a:r>
+            <a:r>
+              <a:rPr lang="en-US" sz="1800" b="1" dirty="0"/>
+              <a:t>dual 2.5 GbE (Intel i226)</a:t>
+            </a:r>
+            <a:r>
+              <a:rPr lang="en-US" sz="1800" dirty="0"/>
+              <a:t>,</a:t>
+            </a:r>
+          </a:p>
+        </p:txBody>
+      </p:sp>
+      <p:pic>
+        <p:nvPicPr>
+          <p:cNvPr id="5" name="Picture 4">
+            <a:extLst>
+              <a:ext uri="{FF2B5EF4-FFF2-40B4-BE49-F238E27FC236}">
+                <a16:creationId xmlns:a16="http://schemas.microsoft.com/office/drawing/2014/main" id="{F226EF60-C72F-7F87-87F3-005DAD77D68C}"/>
+              </a:ext>
+            </a:extLst>
+          </p:cNvPr>
+          <p:cNvPicPr>
+            <a:picLocks noChangeAspect="1"/>
+          </p:cNvPicPr>
+          <p:nvPr/>
+        </p:nvPicPr>
+        <p:blipFill>
+          <a:blip r:embed="rId2"/>
+          <a:stretch>
+            <a:fillRect/>
+          </a:stretch>
+        </p:blipFill>
+        <p:spPr>
+          <a:xfrm>
+            <a:off x="6526150" y="146048"/>
+            <a:ext cx="5449060" cy="3658111"/>
+          </a:xfrm>
+          <a:prstGeom prst="rect">
+            <a:avLst/>
+          </a:prstGeom>
+        </p:spPr>
+      </p:pic>
+    </p:spTree>
+    <p:extLst>
+      <p:ext uri="{BB962C8B-B14F-4D97-AF65-F5344CB8AC3E}">
+        <p14:creationId xmlns:p14="http://schemas.microsoft.com/office/powerpoint/2010/main" val="265678174"/>
       </p:ext>
     </p:extLst>
   </p:cSld>
